--- a/CUSTOMER ASSISTANCE CHATBOT.pptx
+++ b/CUSTOMER ASSISTANCE CHATBOT.pptx
@@ -118,7 +118,7 @@
   </p:defaultTextStyle>
   <p:extLst>
     <p:ext uri="{EFAFB233-063F-42B5-8137-9DF3F51BA10A}">
-      <p15:sldGuideLst xmlns:p15="http://schemas.microsoft.com/office/powerpoint/2012/main" xmlns=""/>
+      <p15:sldGuideLst xmlns="" xmlns:p15="http://schemas.microsoft.com/office/powerpoint/2012/main"/>
     </p:ext>
   </p:extLst>
 </p:presentation>
@@ -846,7 +846,7 @@
           <a:p>
             <a:fld id="{A42085CD-1A84-4275-923B-2C14D8CB6B75}" type="datetimeFigureOut">
               <a:rPr lang="en-IN" smtClean="0"/>
-              <a:t>01-08-2020</a:t>
+              <a:t>03-08-2020</a:t>
             </a:fld>
             <a:endParaRPr lang="en-IN"/>
           </a:p>
@@ -1097,7 +1097,7 @@
           <a:p>
             <a:fld id="{A42085CD-1A84-4275-923B-2C14D8CB6B75}" type="datetimeFigureOut">
               <a:rPr lang="en-IN" smtClean="0"/>
-              <a:t>01-08-2020</a:t>
+              <a:t>03-08-2020</a:t>
             </a:fld>
             <a:endParaRPr lang="en-IN"/>
           </a:p>
@@ -1411,7 +1411,7 @@
           <a:p>
             <a:fld id="{A42085CD-1A84-4275-923B-2C14D8CB6B75}" type="datetimeFigureOut">
               <a:rPr lang="en-IN" smtClean="0"/>
-              <a:t>01-08-2020</a:t>
+              <a:t>03-08-2020</a:t>
             </a:fld>
             <a:endParaRPr lang="en-IN"/>
           </a:p>
@@ -1752,7 +1752,7 @@
           <a:p>
             <a:fld id="{A42085CD-1A84-4275-923B-2C14D8CB6B75}" type="datetimeFigureOut">
               <a:rPr lang="en-IN" smtClean="0"/>
-              <a:t>01-08-2020</a:t>
+              <a:t>03-08-2020</a:t>
             </a:fld>
             <a:endParaRPr lang="en-IN"/>
           </a:p>
@@ -2066,7 +2066,7 @@
           <a:p>
             <a:fld id="{A42085CD-1A84-4275-923B-2C14D8CB6B75}" type="datetimeFigureOut">
               <a:rPr lang="en-IN" smtClean="0"/>
-              <a:t>01-08-2020</a:t>
+              <a:t>03-08-2020</a:t>
             </a:fld>
             <a:endParaRPr lang="en-IN"/>
           </a:p>
@@ -2459,7 +2459,7 @@
           <a:p>
             <a:fld id="{A42085CD-1A84-4275-923B-2C14D8CB6B75}" type="datetimeFigureOut">
               <a:rPr lang="en-IN" smtClean="0"/>
-              <a:t>01-08-2020</a:t>
+              <a:t>03-08-2020</a:t>
             </a:fld>
             <a:endParaRPr lang="en-IN"/>
           </a:p>
@@ -2629,7 +2629,7 @@
           <a:p>
             <a:fld id="{A42085CD-1A84-4275-923B-2C14D8CB6B75}" type="datetimeFigureOut">
               <a:rPr lang="en-IN" smtClean="0"/>
-              <a:t>01-08-2020</a:t>
+              <a:t>03-08-2020</a:t>
             </a:fld>
             <a:endParaRPr lang="en-IN"/>
           </a:p>
@@ -2809,7 +2809,7 @@
           <a:p>
             <a:fld id="{A42085CD-1A84-4275-923B-2C14D8CB6B75}" type="datetimeFigureOut">
               <a:rPr lang="en-IN" smtClean="0"/>
-              <a:t>01-08-2020</a:t>
+              <a:t>03-08-2020</a:t>
             </a:fld>
             <a:endParaRPr lang="en-IN"/>
           </a:p>
@@ -2985,7 +2985,7 @@
           <a:p>
             <a:fld id="{A42085CD-1A84-4275-923B-2C14D8CB6B75}" type="datetimeFigureOut">
               <a:rPr lang="en-IN" smtClean="0"/>
-              <a:t>01-08-2020</a:t>
+              <a:t>03-08-2020</a:t>
             </a:fld>
             <a:endParaRPr lang="en-IN"/>
           </a:p>
@@ -3232,7 +3232,7 @@
           <a:p>
             <a:fld id="{A42085CD-1A84-4275-923B-2C14D8CB6B75}" type="datetimeFigureOut">
               <a:rPr lang="en-IN" smtClean="0"/>
-              <a:t>01-08-2020</a:t>
+              <a:t>03-08-2020</a:t>
             </a:fld>
             <a:endParaRPr lang="en-IN"/>
           </a:p>
@@ -3464,7 +3464,7 @@
           <a:p>
             <a:fld id="{A42085CD-1A84-4275-923B-2C14D8CB6B75}" type="datetimeFigureOut">
               <a:rPr lang="en-IN" smtClean="0"/>
-              <a:t>01-08-2020</a:t>
+              <a:t>03-08-2020</a:t>
             </a:fld>
             <a:endParaRPr lang="en-IN"/>
           </a:p>
@@ -3838,7 +3838,7 @@
           <a:p>
             <a:fld id="{A42085CD-1A84-4275-923B-2C14D8CB6B75}" type="datetimeFigureOut">
               <a:rPr lang="en-IN" smtClean="0"/>
-              <a:t>01-08-2020</a:t>
+              <a:t>03-08-2020</a:t>
             </a:fld>
             <a:endParaRPr lang="en-IN"/>
           </a:p>
@@ -3961,7 +3961,7 @@
           <a:p>
             <a:fld id="{A42085CD-1A84-4275-923B-2C14D8CB6B75}" type="datetimeFigureOut">
               <a:rPr lang="en-IN" smtClean="0"/>
-              <a:t>01-08-2020</a:t>
+              <a:t>03-08-2020</a:t>
             </a:fld>
             <a:endParaRPr lang="en-IN"/>
           </a:p>
@@ -4056,7 +4056,7 @@
           <a:p>
             <a:fld id="{A42085CD-1A84-4275-923B-2C14D8CB6B75}" type="datetimeFigureOut">
               <a:rPr lang="en-IN" smtClean="0"/>
-              <a:t>01-08-2020</a:t>
+              <a:t>03-08-2020</a:t>
             </a:fld>
             <a:endParaRPr lang="en-IN"/>
           </a:p>
@@ -4311,7 +4311,7 @@
           <a:p>
             <a:fld id="{A42085CD-1A84-4275-923B-2C14D8CB6B75}" type="datetimeFigureOut">
               <a:rPr lang="en-IN" smtClean="0"/>
-              <a:t>01-08-2020</a:t>
+              <a:t>03-08-2020</a:t>
             </a:fld>
             <a:endParaRPr lang="en-IN"/>
           </a:p>
@@ -4574,7 +4574,7 @@
           <a:p>
             <a:fld id="{A42085CD-1A84-4275-923B-2C14D8CB6B75}" type="datetimeFigureOut">
               <a:rPr lang="en-IN" smtClean="0"/>
-              <a:t>01-08-2020</a:t>
+              <a:t>03-08-2020</a:t>
             </a:fld>
             <a:endParaRPr lang="en-IN"/>
           </a:p>
@@ -5317,7 +5317,7 @@
           <a:p>
             <a:fld id="{A42085CD-1A84-4275-923B-2C14D8CB6B75}" type="datetimeFigureOut">
               <a:rPr lang="en-IN" smtClean="0"/>
-              <a:t>01-08-2020</a:t>
+              <a:t>03-08-2020</a:t>
             </a:fld>
             <a:endParaRPr lang="en-IN"/>
           </a:p>
@@ -5846,7 +5846,7 @@
           <p:cNvPr id="2" name="Title 1">
             <a:extLst>
               <a:ext uri="{FF2B5EF4-FFF2-40B4-BE49-F238E27FC236}">
-                <a16:creationId xmlns:a16="http://schemas.microsoft.com/office/drawing/2014/main" xmlns="" id="{C634C644-BC6D-4DC0-9A05-134F0586F641}"/>
+                <a16:creationId xmlns="" xmlns:a16="http://schemas.microsoft.com/office/drawing/2014/main" id="{C634C644-BC6D-4DC0-9A05-134F0586F641}"/>
               </a:ext>
             </a:extLst>
           </p:cNvPr>
@@ -5874,7 +5874,7 @@
           <p:cNvPr id="3" name="Subtitle 2">
             <a:extLst>
               <a:ext uri="{FF2B5EF4-FFF2-40B4-BE49-F238E27FC236}">
-                <a16:creationId xmlns:a16="http://schemas.microsoft.com/office/drawing/2014/main" xmlns="" id="{BB70C7E2-5E05-4B27-B322-A29D274EDEC1}"/>
+                <a16:creationId xmlns="" xmlns:a16="http://schemas.microsoft.com/office/drawing/2014/main" id="{BB70C7E2-5E05-4B27-B322-A29D274EDEC1}"/>
               </a:ext>
             </a:extLst>
           </p:cNvPr>
@@ -6386,7 +6386,7 @@
           <p:cNvPr id="2" name="Title 1">
             <a:extLst>
               <a:ext uri="{FF2B5EF4-FFF2-40B4-BE49-F238E27FC236}">
-                <a16:creationId xmlns:a16="http://schemas.microsoft.com/office/drawing/2014/main" xmlns="" id="{14A970F0-82AB-4588-90B1-ABCBDD350812}"/>
+                <a16:creationId xmlns="" xmlns:a16="http://schemas.microsoft.com/office/drawing/2014/main" id="{14A970F0-82AB-4588-90B1-ABCBDD350812}"/>
               </a:ext>
             </a:extLst>
           </p:cNvPr>
@@ -6414,7 +6414,7 @@
           <p:cNvPr id="3" name="Subtitle 2">
             <a:extLst>
               <a:ext uri="{FF2B5EF4-FFF2-40B4-BE49-F238E27FC236}">
-                <a16:creationId xmlns:a16="http://schemas.microsoft.com/office/drawing/2014/main" xmlns="" id="{B6355173-4397-44BC-81F3-D3E8DFE5679A}"/>
+                <a16:creationId xmlns="" xmlns:a16="http://schemas.microsoft.com/office/drawing/2014/main" id="{B6355173-4397-44BC-81F3-D3E8DFE5679A}"/>
               </a:ext>
             </a:extLst>
           </p:cNvPr>
@@ -6469,7 +6469,7 @@
           <p:cNvPr id="2" name="Title 1">
             <a:extLst>
               <a:ext uri="{FF2B5EF4-FFF2-40B4-BE49-F238E27FC236}">
-                <a16:creationId xmlns:a16="http://schemas.microsoft.com/office/drawing/2014/main" xmlns="" id="{399B4A9F-8C91-4565-A6B3-9EB960705C82}"/>
+                <a16:creationId xmlns="" xmlns:a16="http://schemas.microsoft.com/office/drawing/2014/main" id="{399B4A9F-8C91-4565-A6B3-9EB960705C82}"/>
               </a:ext>
             </a:extLst>
           </p:cNvPr>
@@ -6498,7 +6498,7 @@
           <p:cNvPr id="3" name="Content Placeholder 2">
             <a:extLst>
               <a:ext uri="{FF2B5EF4-FFF2-40B4-BE49-F238E27FC236}">
-                <a16:creationId xmlns:a16="http://schemas.microsoft.com/office/drawing/2014/main" xmlns="" id="{B436CE62-91FA-4956-8A40-8C1B94BB3B2B}"/>
+                <a16:creationId xmlns="" xmlns:a16="http://schemas.microsoft.com/office/drawing/2014/main" id="{B436CE62-91FA-4956-8A40-8C1B94BB3B2B}"/>
               </a:ext>
             </a:extLst>
           </p:cNvPr>
@@ -6807,66 +6807,24 @@
       </p:grpSpPr>
       <p:pic>
         <p:nvPicPr>
-          <p:cNvPr id="5122" name="Picture 2"/>
-          <p:cNvPicPr>
-            <a:picLocks noChangeAspect="1" noChangeArrowheads="1"/>
-          </p:cNvPicPr>
+          <p:cNvPr id="3" name="Picture 2"/>
+          <p:cNvPicPr/>
           <p:nvPr/>
         </p:nvPicPr>
         <p:blipFill>
-          <a:blip r:embed="rId2">
-            <a:extLst>
-              <a:ext uri="{28A0092B-C50C-407E-A947-70E740481C1C}">
-                <a14:useLocalDpi xmlns:a14="http://schemas.microsoft.com/office/drawing/2010/main" val="0"/>
-              </a:ext>
-            </a:extLst>
-          </a:blip>
-          <a:srcRect/>
+          <a:blip r:embed="rId2"/>
           <a:stretch>
             <a:fillRect/>
           </a:stretch>
         </p:blipFill>
-        <p:spPr bwMode="auto">
+        <p:spPr>
           <a:xfrm>
-            <a:off x="962828" y="521978"/>
-            <a:ext cx="10527764" cy="6192802"/>
+            <a:off x="1291276" y="623730"/>
+            <a:ext cx="9758642" cy="5677918"/>
           </a:xfrm>
           <a:prstGeom prst="rect">
             <a:avLst/>
           </a:prstGeom>
-          <a:noFill/>
-          <a:ln>
-            <a:noFill/>
-          </a:ln>
-          <a:effectLst/>
-          <a:extLst>
-            <a:ext uri="{909E8E84-426E-40DD-AFC4-6F175D3DCCD1}">
-              <a14:hiddenFill xmlns:a14="http://schemas.microsoft.com/office/drawing/2010/main">
-                <a:solidFill>
-                  <a:schemeClr val="accent1"/>
-                </a:solidFill>
-              </a14:hiddenFill>
-            </a:ext>
-            <a:ext uri="{91240B29-F687-4F45-9708-019B960494DF}">
-              <a14:hiddenLine xmlns:a14="http://schemas.microsoft.com/office/drawing/2010/main" w="9525">
-                <a:solidFill>
-                  <a:schemeClr val="tx1"/>
-                </a:solidFill>
-                <a:miter lim="800000"/>
-                <a:headEnd/>
-                <a:tailEnd/>
-              </a14:hiddenLine>
-            </a:ext>
-            <a:ext uri="{AF507438-7753-43E0-B8FC-AC1667EBCBE1}">
-              <a14:hiddenEffects xmlns:a14="http://schemas.microsoft.com/office/drawing/2010/main">
-                <a:effectLst>
-                  <a:outerShdw dist="35921" dir="2700000" algn="ctr" rotWithShape="0">
-                    <a:schemeClr val="bg2"/>
-                  </a:outerShdw>
-                </a:effectLst>
-              </a14:hiddenEffects>
-            </a:ext>
-          </a:extLst>
         </p:spPr>
       </p:pic>
     </p:spTree>
@@ -6904,7 +6862,7 @@
           <p:cNvPr id="2" name="Title 1">
             <a:extLst>
               <a:ext uri="{FF2B5EF4-FFF2-40B4-BE49-F238E27FC236}">
-                <a16:creationId xmlns:a16="http://schemas.microsoft.com/office/drawing/2014/main" xmlns="" id="{BCF95A63-ABB9-4193-8CD4-1640D5F9E18F}"/>
+                <a16:creationId xmlns="" xmlns:a16="http://schemas.microsoft.com/office/drawing/2014/main" id="{BCF95A63-ABB9-4193-8CD4-1640D5F9E18F}"/>
               </a:ext>
             </a:extLst>
           </p:cNvPr>
@@ -6933,7 +6891,7 @@
           <p:cNvPr id="3" name="Content Placeholder 2">
             <a:extLst>
               <a:ext uri="{FF2B5EF4-FFF2-40B4-BE49-F238E27FC236}">
-                <a16:creationId xmlns:a16="http://schemas.microsoft.com/office/drawing/2014/main" xmlns="" id="{BE4E3D85-2341-43A4-BE59-B7B668D48B35}"/>
+                <a16:creationId xmlns="" xmlns:a16="http://schemas.microsoft.com/office/drawing/2014/main" id="{BE4E3D85-2341-43A4-BE59-B7B668D48B35}"/>
               </a:ext>
             </a:extLst>
           </p:cNvPr>
@@ -7034,7 +6992,6 @@
               <a:rPr lang="en-IN" dirty="0" smtClean="0"/>
               <a:t>detection</a:t>
             </a:r>
-            <a:endParaRPr lang="en-IN" dirty="0" smtClean="0"/>
           </a:p>
           <a:p>
             <a:pPr lvl="1"/>
@@ -7106,7 +7063,7 @@
           <p:cNvPr id="2" name="Title 1">
             <a:extLst>
               <a:ext uri="{FF2B5EF4-FFF2-40B4-BE49-F238E27FC236}">
-                <a16:creationId xmlns:a16="http://schemas.microsoft.com/office/drawing/2014/main" xmlns="" id="{EB2B1067-2605-44B2-9A57-9BD3748DDE44}"/>
+                <a16:creationId xmlns="" xmlns:a16="http://schemas.microsoft.com/office/drawing/2014/main" id="{EB2B1067-2605-44B2-9A57-9BD3748DDE44}"/>
               </a:ext>
             </a:extLst>
           </p:cNvPr>
@@ -7134,7 +7091,7 @@
           <p:cNvPr id="3" name="Content Placeholder 2">
             <a:extLst>
               <a:ext uri="{FF2B5EF4-FFF2-40B4-BE49-F238E27FC236}">
-                <a16:creationId xmlns:a16="http://schemas.microsoft.com/office/drawing/2014/main" xmlns="" id="{15700388-5E6D-4344-9516-81F431DC138E}"/>
+                <a16:creationId xmlns="" xmlns:a16="http://schemas.microsoft.com/office/drawing/2014/main" id="{15700388-5E6D-4344-9516-81F431DC138E}"/>
               </a:ext>
             </a:extLst>
           </p:cNvPr>
@@ -7502,7 +7459,7 @@
           <p:cNvPr id="2" name="Title 1">
             <a:extLst>
               <a:ext uri="{FF2B5EF4-FFF2-40B4-BE49-F238E27FC236}">
-                <a16:creationId xmlns:a16="http://schemas.microsoft.com/office/drawing/2014/main" xmlns="" id="{ABB81741-6F6A-47D5-BB79-C2FAF59D4BAA}"/>
+                <a16:creationId xmlns="" xmlns:a16="http://schemas.microsoft.com/office/drawing/2014/main" id="{ABB81741-6F6A-47D5-BB79-C2FAF59D4BAA}"/>
               </a:ext>
             </a:extLst>
           </p:cNvPr>
@@ -7530,7 +7487,7 @@
           <p:cNvPr id="3" name="Content Placeholder 2">
             <a:extLst>
               <a:ext uri="{FF2B5EF4-FFF2-40B4-BE49-F238E27FC236}">
-                <a16:creationId xmlns:a16="http://schemas.microsoft.com/office/drawing/2014/main" xmlns="" id="{F6CDB1E5-D230-4244-9C07-1A71B6FB3F74}"/>
+                <a16:creationId xmlns="" xmlns:a16="http://schemas.microsoft.com/office/drawing/2014/main" id="{F6CDB1E5-D230-4244-9C07-1A71B6FB3F74}"/>
               </a:ext>
             </a:extLst>
           </p:cNvPr>
@@ -7663,7 +7620,7 @@
           <p:cNvPr id="2" name="Title 1">
             <a:extLst>
               <a:ext uri="{FF2B5EF4-FFF2-40B4-BE49-F238E27FC236}">
-                <a16:creationId xmlns:a16="http://schemas.microsoft.com/office/drawing/2014/main" xmlns="" id="{1FEFD7BB-8282-4A1C-B65E-5434CF5AA934}"/>
+                <a16:creationId xmlns="" xmlns:a16="http://schemas.microsoft.com/office/drawing/2014/main" id="{1FEFD7BB-8282-4A1C-B65E-5434CF5AA934}"/>
               </a:ext>
             </a:extLst>
           </p:cNvPr>
@@ -7691,7 +7648,7 @@
           <p:cNvPr id="3" name="Content Placeholder 2">
             <a:extLst>
               <a:ext uri="{FF2B5EF4-FFF2-40B4-BE49-F238E27FC236}">
-                <a16:creationId xmlns:a16="http://schemas.microsoft.com/office/drawing/2014/main" xmlns="" id="{86B30A24-BC2F-401B-B54F-736375FC36B2}"/>
+                <a16:creationId xmlns="" xmlns:a16="http://schemas.microsoft.com/office/drawing/2014/main" id="{86B30A24-BC2F-401B-B54F-736375FC36B2}"/>
               </a:ext>
             </a:extLst>
           </p:cNvPr>
@@ -7882,7 +7839,7 @@
           <p:cNvPr id="2" name="Title 1">
             <a:extLst>
               <a:ext uri="{FF2B5EF4-FFF2-40B4-BE49-F238E27FC236}">
-                <a16:creationId xmlns:a16="http://schemas.microsoft.com/office/drawing/2014/main" xmlns="" id="{6DB5287F-10F2-408A-8187-D53729ACCAB2}"/>
+                <a16:creationId xmlns="" xmlns:a16="http://schemas.microsoft.com/office/drawing/2014/main" id="{6DB5287F-10F2-408A-8187-D53729ACCAB2}"/>
               </a:ext>
             </a:extLst>
           </p:cNvPr>
@@ -7911,7 +7868,7 @@
           <p:cNvPr id="3" name="Content Placeholder 2">
             <a:extLst>
               <a:ext uri="{FF2B5EF4-FFF2-40B4-BE49-F238E27FC236}">
-                <a16:creationId xmlns:a16="http://schemas.microsoft.com/office/drawing/2014/main" xmlns="" id="{26258DD9-9EB4-4612-B35F-7BAED6ED6324}"/>
+                <a16:creationId xmlns="" xmlns:a16="http://schemas.microsoft.com/office/drawing/2014/main" id="{26258DD9-9EB4-4612-B35F-7BAED6ED6324}"/>
               </a:ext>
             </a:extLst>
           </p:cNvPr>
@@ -8311,7 +8268,7 @@
   <a:extraClrSchemeLst/>
   <a:extLst>
     <a:ext uri="{05A4C25C-085E-4340-85A3-A5531E510DB2}">
-      <thm15:themeFamily xmlns:thm15="http://schemas.microsoft.com/office/thememl/2012/main" xmlns="" name="Facet" id="{C0C680CD-088A-49FC-A102-D699147F32B2}" vid="{CFBC31BA-B70F-4F30-BCAA-4F3011E16C4D}"/>
+      <thm15:themeFamily xmlns="" xmlns:thm15="http://schemas.microsoft.com/office/thememl/2012/main" name="Facet" id="{C0C680CD-088A-49FC-A102-D699147F32B2}" vid="{CFBC31BA-B70F-4F30-BCAA-4F3011E16C4D}"/>
     </a:ext>
   </a:extLst>
 </a:theme>

--- a/CUSTOMER ASSISTANCE CHATBOT.pptx
+++ b/CUSTOMER ASSISTANCE CHATBOT.pptx
@@ -118,7 +118,7 @@
   </p:defaultTextStyle>
   <p:extLst>
     <p:ext uri="{EFAFB233-063F-42B5-8137-9DF3F51BA10A}">
-      <p15:sldGuideLst xmlns="" xmlns:p15="http://schemas.microsoft.com/office/powerpoint/2012/main"/>
+      <p15:sldGuideLst xmlns:p15="http://schemas.microsoft.com/office/powerpoint/2012/main" xmlns=""/>
     </p:ext>
   </p:extLst>
 </p:presentation>
@@ -846,7 +846,7 @@
           <a:p>
             <a:fld id="{A42085CD-1A84-4275-923B-2C14D8CB6B75}" type="datetimeFigureOut">
               <a:rPr lang="en-IN" smtClean="0"/>
-              <a:t>03-08-2020</a:t>
+              <a:t>04-08-2020</a:t>
             </a:fld>
             <a:endParaRPr lang="en-IN"/>
           </a:p>
@@ -1097,7 +1097,7 @@
           <a:p>
             <a:fld id="{A42085CD-1A84-4275-923B-2C14D8CB6B75}" type="datetimeFigureOut">
               <a:rPr lang="en-IN" smtClean="0"/>
-              <a:t>03-08-2020</a:t>
+              <a:t>04-08-2020</a:t>
             </a:fld>
             <a:endParaRPr lang="en-IN"/>
           </a:p>
@@ -1411,7 +1411,7 @@
           <a:p>
             <a:fld id="{A42085CD-1A84-4275-923B-2C14D8CB6B75}" type="datetimeFigureOut">
               <a:rPr lang="en-IN" smtClean="0"/>
-              <a:t>03-08-2020</a:t>
+              <a:t>04-08-2020</a:t>
             </a:fld>
             <a:endParaRPr lang="en-IN"/>
           </a:p>
@@ -1752,7 +1752,7 @@
           <a:p>
             <a:fld id="{A42085CD-1A84-4275-923B-2C14D8CB6B75}" type="datetimeFigureOut">
               <a:rPr lang="en-IN" smtClean="0"/>
-              <a:t>03-08-2020</a:t>
+              <a:t>04-08-2020</a:t>
             </a:fld>
             <a:endParaRPr lang="en-IN"/>
           </a:p>
@@ -2066,7 +2066,7 @@
           <a:p>
             <a:fld id="{A42085CD-1A84-4275-923B-2C14D8CB6B75}" type="datetimeFigureOut">
               <a:rPr lang="en-IN" smtClean="0"/>
-              <a:t>03-08-2020</a:t>
+              <a:t>04-08-2020</a:t>
             </a:fld>
             <a:endParaRPr lang="en-IN"/>
           </a:p>
@@ -2459,7 +2459,7 @@
           <a:p>
             <a:fld id="{A42085CD-1A84-4275-923B-2C14D8CB6B75}" type="datetimeFigureOut">
               <a:rPr lang="en-IN" smtClean="0"/>
-              <a:t>03-08-2020</a:t>
+              <a:t>04-08-2020</a:t>
             </a:fld>
             <a:endParaRPr lang="en-IN"/>
           </a:p>
@@ -2629,7 +2629,7 @@
           <a:p>
             <a:fld id="{A42085CD-1A84-4275-923B-2C14D8CB6B75}" type="datetimeFigureOut">
               <a:rPr lang="en-IN" smtClean="0"/>
-              <a:t>03-08-2020</a:t>
+              <a:t>04-08-2020</a:t>
             </a:fld>
             <a:endParaRPr lang="en-IN"/>
           </a:p>
@@ -2809,7 +2809,7 @@
           <a:p>
             <a:fld id="{A42085CD-1A84-4275-923B-2C14D8CB6B75}" type="datetimeFigureOut">
               <a:rPr lang="en-IN" smtClean="0"/>
-              <a:t>03-08-2020</a:t>
+              <a:t>04-08-2020</a:t>
             </a:fld>
             <a:endParaRPr lang="en-IN"/>
           </a:p>
@@ -2985,7 +2985,7 @@
           <a:p>
             <a:fld id="{A42085CD-1A84-4275-923B-2C14D8CB6B75}" type="datetimeFigureOut">
               <a:rPr lang="en-IN" smtClean="0"/>
-              <a:t>03-08-2020</a:t>
+              <a:t>04-08-2020</a:t>
             </a:fld>
             <a:endParaRPr lang="en-IN"/>
           </a:p>
@@ -3232,7 +3232,7 @@
           <a:p>
             <a:fld id="{A42085CD-1A84-4275-923B-2C14D8CB6B75}" type="datetimeFigureOut">
               <a:rPr lang="en-IN" smtClean="0"/>
-              <a:t>03-08-2020</a:t>
+              <a:t>04-08-2020</a:t>
             </a:fld>
             <a:endParaRPr lang="en-IN"/>
           </a:p>
@@ -3464,7 +3464,7 @@
           <a:p>
             <a:fld id="{A42085CD-1A84-4275-923B-2C14D8CB6B75}" type="datetimeFigureOut">
               <a:rPr lang="en-IN" smtClean="0"/>
-              <a:t>03-08-2020</a:t>
+              <a:t>04-08-2020</a:t>
             </a:fld>
             <a:endParaRPr lang="en-IN"/>
           </a:p>
@@ -3838,7 +3838,7 @@
           <a:p>
             <a:fld id="{A42085CD-1A84-4275-923B-2C14D8CB6B75}" type="datetimeFigureOut">
               <a:rPr lang="en-IN" smtClean="0"/>
-              <a:t>03-08-2020</a:t>
+              <a:t>04-08-2020</a:t>
             </a:fld>
             <a:endParaRPr lang="en-IN"/>
           </a:p>
@@ -3961,7 +3961,7 @@
           <a:p>
             <a:fld id="{A42085CD-1A84-4275-923B-2C14D8CB6B75}" type="datetimeFigureOut">
               <a:rPr lang="en-IN" smtClean="0"/>
-              <a:t>03-08-2020</a:t>
+              <a:t>04-08-2020</a:t>
             </a:fld>
             <a:endParaRPr lang="en-IN"/>
           </a:p>
@@ -4056,7 +4056,7 @@
           <a:p>
             <a:fld id="{A42085CD-1A84-4275-923B-2C14D8CB6B75}" type="datetimeFigureOut">
               <a:rPr lang="en-IN" smtClean="0"/>
-              <a:t>03-08-2020</a:t>
+              <a:t>04-08-2020</a:t>
             </a:fld>
             <a:endParaRPr lang="en-IN"/>
           </a:p>
@@ -4311,7 +4311,7 @@
           <a:p>
             <a:fld id="{A42085CD-1A84-4275-923B-2C14D8CB6B75}" type="datetimeFigureOut">
               <a:rPr lang="en-IN" smtClean="0"/>
-              <a:t>03-08-2020</a:t>
+              <a:t>04-08-2020</a:t>
             </a:fld>
             <a:endParaRPr lang="en-IN"/>
           </a:p>
@@ -4574,7 +4574,7 @@
           <a:p>
             <a:fld id="{A42085CD-1A84-4275-923B-2C14D8CB6B75}" type="datetimeFigureOut">
               <a:rPr lang="en-IN" smtClean="0"/>
-              <a:t>03-08-2020</a:t>
+              <a:t>04-08-2020</a:t>
             </a:fld>
             <a:endParaRPr lang="en-IN"/>
           </a:p>
@@ -5317,7 +5317,7 @@
           <a:p>
             <a:fld id="{A42085CD-1A84-4275-923B-2C14D8CB6B75}" type="datetimeFigureOut">
               <a:rPr lang="en-IN" smtClean="0"/>
-              <a:t>03-08-2020</a:t>
+              <a:t>04-08-2020</a:t>
             </a:fld>
             <a:endParaRPr lang="en-IN"/>
           </a:p>
@@ -5846,7 +5846,7 @@
           <p:cNvPr id="2" name="Title 1">
             <a:extLst>
               <a:ext uri="{FF2B5EF4-FFF2-40B4-BE49-F238E27FC236}">
-                <a16:creationId xmlns="" xmlns:a16="http://schemas.microsoft.com/office/drawing/2014/main" id="{C634C644-BC6D-4DC0-9A05-134F0586F641}"/>
+                <a16:creationId xmlns:a16="http://schemas.microsoft.com/office/drawing/2014/main" xmlns="" id="{C634C644-BC6D-4DC0-9A05-134F0586F641}"/>
               </a:ext>
             </a:extLst>
           </p:cNvPr>
@@ -5874,7 +5874,7 @@
           <p:cNvPr id="3" name="Subtitle 2">
             <a:extLst>
               <a:ext uri="{FF2B5EF4-FFF2-40B4-BE49-F238E27FC236}">
-                <a16:creationId xmlns="" xmlns:a16="http://schemas.microsoft.com/office/drawing/2014/main" id="{BB70C7E2-5E05-4B27-B322-A29D274EDEC1}"/>
+                <a16:creationId xmlns:a16="http://schemas.microsoft.com/office/drawing/2014/main" xmlns="" id="{BB70C7E2-5E05-4B27-B322-A29D274EDEC1}"/>
               </a:ext>
             </a:extLst>
           </p:cNvPr>
@@ -6080,8 +6080,8 @@
           <a:p>
             <a:pPr algn="ctr"/>
             <a:r>
-              <a:rPr lang="en-IN" dirty="0" smtClean="0"/>
-              <a:t>Design and working</a:t>
+              <a:rPr lang="en-IN" smtClean="0"/>
+              <a:t>Design</a:t>
             </a:r>
             <a:endParaRPr lang="en-IN" dirty="0"/>
           </a:p>
@@ -6324,6 +6324,7 @@
           <a:bodyPr/>
           <a:lstStyle/>
           <a:p>
+            <a:pPr algn="ctr"/>
             <a:r>
               <a:rPr lang="en-IN" dirty="0" smtClean="0"/>
               <a:t>Screenshots</a:t>
@@ -6332,25 +6333,111 @@
           </a:p>
         </p:txBody>
       </p:sp>
-      <p:sp>
-        <p:nvSpPr>
-          <p:cNvPr id="3" name="Content Placeholder 2"/>
-          <p:cNvSpPr>
-            <a:spLocks noGrp="1"/>
-          </p:cNvSpPr>
-          <p:nvPr>
-            <p:ph idx="1"/>
-          </p:nvPr>
-        </p:nvSpPr>
-        <p:spPr/>
-        <p:txBody>
-          <a:bodyPr/>
-          <a:lstStyle/>
-          <a:p>
-            <a:endParaRPr lang="en-IN" dirty="0"/>
-          </a:p>
-        </p:txBody>
-      </p:sp>
+      <p:pic>
+        <p:nvPicPr>
+          <p:cNvPr id="4" name="Picture 3" descr="C:\Users\abhil\Pictures\image2.jpg"/>
+          <p:cNvPicPr/>
+          <p:nvPr/>
+        </p:nvPicPr>
+        <p:blipFill>
+          <a:blip r:embed="rId2" cstate="print">
+            <a:extLst>
+              <a:ext uri="{28A0092B-C50C-407E-A947-70E740481C1C}">
+                <a14:useLocalDpi xmlns:a14="http://schemas.microsoft.com/office/drawing/2010/main" val="0"/>
+              </a:ext>
+            </a:extLst>
+          </a:blip>
+          <a:srcRect/>
+          <a:stretch>
+            <a:fillRect/>
+          </a:stretch>
+        </p:blipFill>
+        <p:spPr bwMode="auto">
+          <a:xfrm>
+            <a:off x="1030619" y="1387475"/>
+            <a:ext cx="2208340" cy="4583667"/>
+          </a:xfrm>
+          <a:prstGeom prst="rect">
+            <a:avLst/>
+          </a:prstGeom>
+          <a:noFill/>
+          <a:ln>
+            <a:noFill/>
+          </a:ln>
+        </p:spPr>
+      </p:pic>
+      <p:pic>
+        <p:nvPicPr>
+          <p:cNvPr id="5" name="Picture 4"/>
+          <p:cNvPicPr/>
+          <p:nvPr/>
+        </p:nvPicPr>
+        <p:blipFill rotWithShape="1">
+          <a:blip r:embed="rId3" cstate="print">
+            <a:extLst>
+              <a:ext uri="{28A0092B-C50C-407E-A947-70E740481C1C}">
+                <a14:useLocalDpi xmlns:a14="http://schemas.microsoft.com/office/drawing/2010/main" val="0"/>
+              </a:ext>
+            </a:extLst>
+          </a:blip>
+          <a:srcRect t="3698" b="6311"/>
+          <a:stretch/>
+        </p:blipFill>
+        <p:spPr bwMode="auto">
+          <a:xfrm>
+            <a:off x="4404034" y="1387474"/>
+            <a:ext cx="2184053" cy="4583667"/>
+          </a:xfrm>
+          <a:prstGeom prst="rect">
+            <a:avLst/>
+          </a:prstGeom>
+          <a:noFill/>
+          <a:ln>
+            <a:noFill/>
+          </a:ln>
+          <a:extLst>
+            <a:ext uri="{53640926-AAD7-44D8-BBD7-CCE9431645EC}">
+              <a14:shadowObscured xmlns:a14="http://schemas.microsoft.com/office/drawing/2010/main"/>
+            </a:ext>
+          </a:extLst>
+        </p:spPr>
+      </p:pic>
+      <p:pic>
+        <p:nvPicPr>
+          <p:cNvPr id="6" name="Picture 5"/>
+          <p:cNvPicPr/>
+          <p:nvPr/>
+        </p:nvPicPr>
+        <p:blipFill rotWithShape="1">
+          <a:blip r:embed="rId4">
+            <a:extLst>
+              <a:ext uri="{28A0092B-C50C-407E-A947-70E740481C1C}">
+                <a14:useLocalDpi xmlns:a14="http://schemas.microsoft.com/office/drawing/2010/main" val="0"/>
+              </a:ext>
+            </a:extLst>
+          </a:blip>
+          <a:srcRect t="3405" b="5924"/>
+          <a:stretch/>
+        </p:blipFill>
+        <p:spPr bwMode="auto">
+          <a:xfrm>
+            <a:off x="7299494" y="1387473"/>
+            <a:ext cx="2329248" cy="4583667"/>
+          </a:xfrm>
+          <a:prstGeom prst="rect">
+            <a:avLst/>
+          </a:prstGeom>
+          <a:noFill/>
+          <a:ln>
+            <a:noFill/>
+          </a:ln>
+          <a:extLst>
+            <a:ext uri="{53640926-AAD7-44D8-BBD7-CCE9431645EC}">
+              <a14:shadowObscured xmlns:a14="http://schemas.microsoft.com/office/drawing/2010/main"/>
+            </a:ext>
+          </a:extLst>
+        </p:spPr>
+      </p:pic>
     </p:spTree>
     <p:extLst>
       <p:ext uri="{BB962C8B-B14F-4D97-AF65-F5344CB8AC3E}">
@@ -6386,7 +6473,7 @@
           <p:cNvPr id="2" name="Title 1">
             <a:extLst>
               <a:ext uri="{FF2B5EF4-FFF2-40B4-BE49-F238E27FC236}">
-                <a16:creationId xmlns="" xmlns:a16="http://schemas.microsoft.com/office/drawing/2014/main" id="{14A970F0-82AB-4588-90B1-ABCBDD350812}"/>
+                <a16:creationId xmlns:a16="http://schemas.microsoft.com/office/drawing/2014/main" xmlns="" id="{14A970F0-82AB-4588-90B1-ABCBDD350812}"/>
               </a:ext>
             </a:extLst>
           </p:cNvPr>
@@ -6414,7 +6501,7 @@
           <p:cNvPr id="3" name="Subtitle 2">
             <a:extLst>
               <a:ext uri="{FF2B5EF4-FFF2-40B4-BE49-F238E27FC236}">
-                <a16:creationId xmlns="" xmlns:a16="http://schemas.microsoft.com/office/drawing/2014/main" id="{B6355173-4397-44BC-81F3-D3E8DFE5679A}"/>
+                <a16:creationId xmlns:a16="http://schemas.microsoft.com/office/drawing/2014/main" xmlns="" id="{B6355173-4397-44BC-81F3-D3E8DFE5679A}"/>
               </a:ext>
             </a:extLst>
           </p:cNvPr>
@@ -6469,7 +6556,7 @@
           <p:cNvPr id="2" name="Title 1">
             <a:extLst>
               <a:ext uri="{FF2B5EF4-FFF2-40B4-BE49-F238E27FC236}">
-                <a16:creationId xmlns="" xmlns:a16="http://schemas.microsoft.com/office/drawing/2014/main" id="{399B4A9F-8C91-4565-A6B3-9EB960705C82}"/>
+                <a16:creationId xmlns:a16="http://schemas.microsoft.com/office/drawing/2014/main" xmlns="" id="{399B4A9F-8C91-4565-A6B3-9EB960705C82}"/>
               </a:ext>
             </a:extLst>
           </p:cNvPr>
@@ -6498,7 +6585,7 @@
           <p:cNvPr id="3" name="Content Placeholder 2">
             <a:extLst>
               <a:ext uri="{FF2B5EF4-FFF2-40B4-BE49-F238E27FC236}">
-                <a16:creationId xmlns="" xmlns:a16="http://schemas.microsoft.com/office/drawing/2014/main" id="{B436CE62-91FA-4956-8A40-8C1B94BB3B2B}"/>
+                <a16:creationId xmlns:a16="http://schemas.microsoft.com/office/drawing/2014/main" xmlns="" id="{B436CE62-91FA-4956-8A40-8C1B94BB3B2B}"/>
               </a:ext>
             </a:extLst>
           </p:cNvPr>
@@ -6862,7 +6949,7 @@
           <p:cNvPr id="2" name="Title 1">
             <a:extLst>
               <a:ext uri="{FF2B5EF4-FFF2-40B4-BE49-F238E27FC236}">
-                <a16:creationId xmlns="" xmlns:a16="http://schemas.microsoft.com/office/drawing/2014/main" id="{BCF95A63-ABB9-4193-8CD4-1640D5F9E18F}"/>
+                <a16:creationId xmlns:a16="http://schemas.microsoft.com/office/drawing/2014/main" xmlns="" id="{BCF95A63-ABB9-4193-8CD4-1640D5F9E18F}"/>
               </a:ext>
             </a:extLst>
           </p:cNvPr>
@@ -6891,7 +6978,7 @@
           <p:cNvPr id="3" name="Content Placeholder 2">
             <a:extLst>
               <a:ext uri="{FF2B5EF4-FFF2-40B4-BE49-F238E27FC236}">
-                <a16:creationId xmlns="" xmlns:a16="http://schemas.microsoft.com/office/drawing/2014/main" id="{BE4E3D85-2341-43A4-BE59-B7B668D48B35}"/>
+                <a16:creationId xmlns:a16="http://schemas.microsoft.com/office/drawing/2014/main" xmlns="" id="{BE4E3D85-2341-43A4-BE59-B7B668D48B35}"/>
               </a:ext>
             </a:extLst>
           </p:cNvPr>
@@ -7063,7 +7150,7 @@
           <p:cNvPr id="2" name="Title 1">
             <a:extLst>
               <a:ext uri="{FF2B5EF4-FFF2-40B4-BE49-F238E27FC236}">
-                <a16:creationId xmlns="" xmlns:a16="http://schemas.microsoft.com/office/drawing/2014/main" id="{EB2B1067-2605-44B2-9A57-9BD3748DDE44}"/>
+                <a16:creationId xmlns:a16="http://schemas.microsoft.com/office/drawing/2014/main" xmlns="" id="{EB2B1067-2605-44B2-9A57-9BD3748DDE44}"/>
               </a:ext>
             </a:extLst>
           </p:cNvPr>
@@ -7091,7 +7178,7 @@
           <p:cNvPr id="3" name="Content Placeholder 2">
             <a:extLst>
               <a:ext uri="{FF2B5EF4-FFF2-40B4-BE49-F238E27FC236}">
-                <a16:creationId xmlns="" xmlns:a16="http://schemas.microsoft.com/office/drawing/2014/main" id="{15700388-5E6D-4344-9516-81F431DC138E}"/>
+                <a16:creationId xmlns:a16="http://schemas.microsoft.com/office/drawing/2014/main" xmlns="" id="{15700388-5E6D-4344-9516-81F431DC138E}"/>
               </a:ext>
             </a:extLst>
           </p:cNvPr>
@@ -7459,7 +7546,7 @@
           <p:cNvPr id="2" name="Title 1">
             <a:extLst>
               <a:ext uri="{FF2B5EF4-FFF2-40B4-BE49-F238E27FC236}">
-                <a16:creationId xmlns="" xmlns:a16="http://schemas.microsoft.com/office/drawing/2014/main" id="{ABB81741-6F6A-47D5-BB79-C2FAF59D4BAA}"/>
+                <a16:creationId xmlns:a16="http://schemas.microsoft.com/office/drawing/2014/main" xmlns="" id="{ABB81741-6F6A-47D5-BB79-C2FAF59D4BAA}"/>
               </a:ext>
             </a:extLst>
           </p:cNvPr>
@@ -7487,7 +7574,7 @@
           <p:cNvPr id="3" name="Content Placeholder 2">
             <a:extLst>
               <a:ext uri="{FF2B5EF4-FFF2-40B4-BE49-F238E27FC236}">
-                <a16:creationId xmlns="" xmlns:a16="http://schemas.microsoft.com/office/drawing/2014/main" id="{F6CDB1E5-D230-4244-9C07-1A71B6FB3F74}"/>
+                <a16:creationId xmlns:a16="http://schemas.microsoft.com/office/drawing/2014/main" xmlns="" id="{F6CDB1E5-D230-4244-9C07-1A71B6FB3F74}"/>
               </a:ext>
             </a:extLst>
           </p:cNvPr>
@@ -7620,7 +7707,7 @@
           <p:cNvPr id="2" name="Title 1">
             <a:extLst>
               <a:ext uri="{FF2B5EF4-FFF2-40B4-BE49-F238E27FC236}">
-                <a16:creationId xmlns="" xmlns:a16="http://schemas.microsoft.com/office/drawing/2014/main" id="{1FEFD7BB-8282-4A1C-B65E-5434CF5AA934}"/>
+                <a16:creationId xmlns:a16="http://schemas.microsoft.com/office/drawing/2014/main" xmlns="" id="{1FEFD7BB-8282-4A1C-B65E-5434CF5AA934}"/>
               </a:ext>
             </a:extLst>
           </p:cNvPr>
@@ -7648,7 +7735,7 @@
           <p:cNvPr id="3" name="Content Placeholder 2">
             <a:extLst>
               <a:ext uri="{FF2B5EF4-FFF2-40B4-BE49-F238E27FC236}">
-                <a16:creationId xmlns="" xmlns:a16="http://schemas.microsoft.com/office/drawing/2014/main" id="{86B30A24-BC2F-401B-B54F-736375FC36B2}"/>
+                <a16:creationId xmlns:a16="http://schemas.microsoft.com/office/drawing/2014/main" xmlns="" id="{86B30A24-BC2F-401B-B54F-736375FC36B2}"/>
               </a:ext>
             </a:extLst>
           </p:cNvPr>
@@ -7839,7 +7926,7 @@
           <p:cNvPr id="2" name="Title 1">
             <a:extLst>
               <a:ext uri="{FF2B5EF4-FFF2-40B4-BE49-F238E27FC236}">
-                <a16:creationId xmlns="" xmlns:a16="http://schemas.microsoft.com/office/drawing/2014/main" id="{6DB5287F-10F2-408A-8187-D53729ACCAB2}"/>
+                <a16:creationId xmlns:a16="http://schemas.microsoft.com/office/drawing/2014/main" xmlns="" id="{6DB5287F-10F2-408A-8187-D53729ACCAB2}"/>
               </a:ext>
             </a:extLst>
           </p:cNvPr>
@@ -7868,7 +7955,7 @@
           <p:cNvPr id="3" name="Content Placeholder 2">
             <a:extLst>
               <a:ext uri="{FF2B5EF4-FFF2-40B4-BE49-F238E27FC236}">
-                <a16:creationId xmlns="" xmlns:a16="http://schemas.microsoft.com/office/drawing/2014/main" id="{26258DD9-9EB4-4612-B35F-7BAED6ED6324}"/>
+                <a16:creationId xmlns:a16="http://schemas.microsoft.com/office/drawing/2014/main" xmlns="" id="{26258DD9-9EB4-4612-B35F-7BAED6ED6324}"/>
               </a:ext>
             </a:extLst>
           </p:cNvPr>
@@ -8268,7 +8355,7 @@
   <a:extraClrSchemeLst/>
   <a:extLst>
     <a:ext uri="{05A4C25C-085E-4340-85A3-A5531E510DB2}">
-      <thm15:themeFamily xmlns="" xmlns:thm15="http://schemas.microsoft.com/office/thememl/2012/main" name="Facet" id="{C0C680CD-088A-49FC-A102-D699147F32B2}" vid="{CFBC31BA-B70F-4F30-BCAA-4F3011E16C4D}"/>
+      <thm15:themeFamily xmlns:thm15="http://schemas.microsoft.com/office/thememl/2012/main" xmlns="" name="Facet" id="{C0C680CD-088A-49FC-A102-D699147F32B2}" vid="{CFBC31BA-B70F-4F30-BCAA-4F3011E16C4D}"/>
     </a:ext>
   </a:extLst>
 </a:theme>
